--- a/попа.pptx
+++ b/попа.pptx
@@ -6,8 +6,9 @@
   </p:sldMasterIdLst>
   <p:sldIdLst>
     <p:sldId id="256" r:id="rId2"/>
-    <p:sldId id="257" r:id="rId3"/>
-    <p:sldId id="258" r:id="rId4"/>
+    <p:sldId id="259" r:id="rId3"/>
+    <p:sldId id="257" r:id="rId4"/>
+    <p:sldId id="258" r:id="rId5"/>
   </p:sldIdLst>
   <p:sldSz cx="12192000" cy="6858000"/>
   <p:notesSz cx="6858000" cy="9144000"/>
@@ -106,13 +107,18 @@
       </a:defRPr>
     </a:lvl9pPr>
   </p:defaultTextStyle>
+  <p:extLst>
+    <p:ext uri="{EFAFB233-063F-42B5-8137-9DF3F51BA10A}">
+      <p15:sldGuideLst xmlns:p15="http://schemas.microsoft.com/office/powerpoint/2012/main"/>
+    </p:ext>
+  </p:extLst>
 </p:presentation>
 </file>
 
 <file path=ppt/revisionInfo.xml><?xml version="1.0" encoding="utf-8"?>
 <p1510:revInfo xmlns:a="http://schemas.openxmlformats.org/drawingml/2006/main" xmlns:r="http://schemas.openxmlformats.org/officeDocument/2006/relationships" xmlns:p1510="http://schemas.microsoft.com/office/powerpoint/2015/10/main">
   <p1510:revLst>
-    <p1510:client id="{D4D9064D-0FC1-4EDC-9186-F5E77DC5CB96}" v="39" dt="2023-03-24T11:18:39.028"/>
+    <p1510:client id="{D4D9064D-0FC1-4EDC-9186-F5E77DC5CB96}" v="45" dt="2023-03-24T12:56:38.283"/>
   </p1510:revLst>
 </p1510:revInfo>
 </file>
@@ -122,7 +128,7 @@
   <pc:docChgLst>
     <pc:chgData name="dim4ik ~" userId="bb9ea18e2877baa2" providerId="LiveId" clId="{D4D9064D-0FC1-4EDC-9186-F5E77DC5CB96}"/>
     <pc:docChg chg="undo custSel addSld modSld">
-      <pc:chgData name="dim4ik ~" userId="bb9ea18e2877baa2" providerId="LiveId" clId="{D4D9064D-0FC1-4EDC-9186-F5E77DC5CB96}" dt="2023-03-24T11:18:39.028" v="142"/>
+      <pc:chgData name="dim4ik ~" userId="bb9ea18e2877baa2" providerId="LiveId" clId="{D4D9064D-0FC1-4EDC-9186-F5E77DC5CB96}" dt="2023-03-24T12:56:38.281" v="153" actId="1076"/>
       <pc:docMkLst>
         <pc:docMk/>
       </pc:docMkLst>
@@ -272,6 +278,45 @@
             <pc:docMk/>
             <pc:sldMk cId="1677445711" sldId="258"/>
             <ac:picMk id="5" creationId="{65E07323-06AE-A4D5-6ACF-A10C656C5163}"/>
+          </ac:picMkLst>
+        </pc:picChg>
+      </pc:sldChg>
+      <pc:sldChg chg="addSp delSp modSp new mod">
+        <pc:chgData name="dim4ik ~" userId="bb9ea18e2877baa2" providerId="LiveId" clId="{D4D9064D-0FC1-4EDC-9186-F5E77DC5CB96}" dt="2023-03-24T12:56:38.281" v="153" actId="1076"/>
+        <pc:sldMkLst>
+          <pc:docMk/>
+          <pc:sldMk cId="1655234671" sldId="259"/>
+        </pc:sldMkLst>
+        <pc:spChg chg="del">
+          <ac:chgData name="dim4ik ~" userId="bb9ea18e2877baa2" providerId="LiveId" clId="{D4D9064D-0FC1-4EDC-9186-F5E77DC5CB96}" dt="2023-03-24T12:56:19.812" v="148"/>
+          <ac:spMkLst>
+            <pc:docMk/>
+            <pc:sldMk cId="1655234671" sldId="259"/>
+            <ac:spMk id="3" creationId="{15C6D23F-E86B-2A8C-3E9B-8696FC3C67EA}"/>
+          </ac:spMkLst>
+        </pc:spChg>
+        <pc:spChg chg="add del">
+          <ac:chgData name="dim4ik ~" userId="bb9ea18e2877baa2" providerId="LiveId" clId="{D4D9064D-0FC1-4EDC-9186-F5E77DC5CB96}" dt="2023-03-24T12:55:56.999" v="145" actId="22"/>
+          <ac:spMkLst>
+            <pc:docMk/>
+            <pc:sldMk cId="1655234671" sldId="259"/>
+            <ac:spMk id="5" creationId="{6212AAA2-D3A0-D899-DE2E-A52B8E319EAB}"/>
+          </ac:spMkLst>
+        </pc:spChg>
+        <pc:spChg chg="add del">
+          <ac:chgData name="dim4ik ~" userId="bb9ea18e2877baa2" providerId="LiveId" clId="{D4D9064D-0FC1-4EDC-9186-F5E77DC5CB96}" dt="2023-03-24T12:56:02.457" v="147" actId="22"/>
+          <ac:spMkLst>
+            <pc:docMk/>
+            <pc:sldMk cId="1655234671" sldId="259"/>
+            <ac:spMk id="7" creationId="{8014DBE3-991A-8A03-63D3-BD782496778F}"/>
+          </ac:spMkLst>
+        </pc:spChg>
+        <pc:picChg chg="add mod">
+          <ac:chgData name="dim4ik ~" userId="bb9ea18e2877baa2" providerId="LiveId" clId="{D4D9064D-0FC1-4EDC-9186-F5E77DC5CB96}" dt="2023-03-24T12:56:38.281" v="153" actId="1076"/>
+          <ac:picMkLst>
+            <pc:docMk/>
+            <pc:sldMk cId="1655234671" sldId="259"/>
+            <ac:picMk id="1026" creationId="{E9430D13-5954-4F9B-F0CC-7E6B3746A89E}"/>
           </ac:picMkLst>
         </pc:picChg>
       </pc:sldChg>
@@ -3624,6 +3669,110 @@
       </p:grpSpPr>
       <p:sp>
         <p:nvSpPr>
+          <p:cNvPr id="2" name="Заголовок 1">
+            <a:extLst>
+              <a:ext uri="{FF2B5EF4-FFF2-40B4-BE49-F238E27FC236}">
+                <a16:creationId xmlns:a16="http://schemas.microsoft.com/office/drawing/2014/main" id="{595B6B48-AEBC-DCE9-C601-6E2AAD383FA7}"/>
+              </a:ext>
+            </a:extLst>
+          </p:cNvPr>
+          <p:cNvSpPr>
+            <a:spLocks noGrp="1"/>
+          </p:cNvSpPr>
+          <p:nvPr>
+            <p:ph type="title"/>
+          </p:nvPr>
+        </p:nvSpPr>
+        <p:spPr/>
+        <p:txBody>
+          <a:bodyPr/>
+          <a:lstStyle/>
+          <a:p>
+            <a:endParaRPr lang="ru-RU"/>
+          </a:p>
+        </p:txBody>
+      </p:sp>
+      <p:pic>
+        <p:nvPicPr>
+          <p:cNvPr id="1026" name="Picture 2">
+            <a:extLst>
+              <a:ext uri="{FF2B5EF4-FFF2-40B4-BE49-F238E27FC236}">
+                <a16:creationId xmlns:a16="http://schemas.microsoft.com/office/drawing/2014/main" id="{E9430D13-5954-4F9B-F0CC-7E6B3746A89E}"/>
+              </a:ext>
+            </a:extLst>
+          </p:cNvPr>
+          <p:cNvPicPr>
+            <a:picLocks noGrp="1" noChangeAspect="1" noChangeArrowheads="1"/>
+          </p:cNvPicPr>
+          <p:nvPr>
+            <p:ph idx="1"/>
+          </p:nvPr>
+        </p:nvPicPr>
+        <p:blipFill>
+          <a:blip r:embed="rId2">
+            <a:extLst>
+              <a:ext uri="{28A0092B-C50C-407E-A947-70E740481C1C}">
+                <a14:useLocalDpi xmlns:a14="http://schemas.microsoft.com/office/drawing/2010/main" val="0"/>
+              </a:ext>
+            </a:extLst>
+          </a:blip>
+          <a:srcRect/>
+          <a:stretch>
+            <a:fillRect/>
+          </a:stretch>
+        </p:blipFill>
+        <p:spPr bwMode="auto">
+          <a:xfrm>
+            <a:off x="2665665" y="0"/>
+            <a:ext cx="6860669" cy="6860669"/>
+          </a:xfrm>
+          <a:prstGeom prst="rect">
+            <a:avLst/>
+          </a:prstGeom>
+          <a:noFill/>
+          <a:extLst>
+            <a:ext uri="{909E8E84-426E-40DD-AFC4-6F175D3DCCD1}">
+              <a14:hiddenFill xmlns:a14="http://schemas.microsoft.com/office/drawing/2010/main">
+                <a:solidFill>
+                  <a:srgbClr val="FFFFFF"/>
+                </a:solidFill>
+              </a14:hiddenFill>
+            </a:ext>
+          </a:extLst>
+        </p:spPr>
+      </p:pic>
+    </p:spTree>
+    <p:extLst>
+      <p:ext uri="{BB962C8B-B14F-4D97-AF65-F5344CB8AC3E}">
+        <p14:creationId xmlns:p14="http://schemas.microsoft.com/office/powerpoint/2010/main" val="1655234671"/>
+      </p:ext>
+    </p:extLst>
+  </p:cSld>
+  <p:clrMapOvr>
+    <a:masterClrMapping/>
+  </p:clrMapOvr>
+</p:sld>
+</file>
+
+<file path=ppt/slides/slide3.xml><?xml version="1.0" encoding="utf-8"?>
+<p:sld xmlns:a="http://schemas.openxmlformats.org/drawingml/2006/main" xmlns:r="http://schemas.openxmlformats.org/officeDocument/2006/relationships" xmlns:p="http://schemas.openxmlformats.org/presentationml/2006/main">
+  <p:cSld>
+    <p:spTree>
+      <p:nvGrpSpPr>
+        <p:cNvPr id="1" name=""/>
+        <p:cNvGrpSpPr/>
+        <p:nvPr/>
+      </p:nvGrpSpPr>
+      <p:grpSpPr>
+        <a:xfrm>
+          <a:off x="0" y="0"/>
+          <a:ext cx="0" cy="0"/>
+          <a:chOff x="0" y="0"/>
+          <a:chExt cx="0" cy="0"/>
+        </a:xfrm>
+      </p:grpSpPr>
+      <p:sp>
+        <p:nvSpPr>
           <p:cNvPr id="4" name="Заголовок 3">
             <a:extLst>
               <a:ext uri="{FF2B5EF4-FFF2-40B4-BE49-F238E27FC236}">
@@ -4621,7 +4770,7 @@
 </p:sld>
 </file>
 
-<file path=ppt/slides/slide3.xml><?xml version="1.0" encoding="utf-8"?>
+<file path=ppt/slides/slide4.xml><?xml version="1.0" encoding="utf-8"?>
 <p:sld xmlns:a="http://schemas.openxmlformats.org/drawingml/2006/main" xmlns:r="http://schemas.openxmlformats.org/officeDocument/2006/relationships" xmlns:p="http://schemas.openxmlformats.org/presentationml/2006/main">
   <p:cSld>
     <p:spTree>
